--- a/HW7/機器學習-pingpong.pptx
+++ b/HW7/機器學習-pingpong.pptx
@@ -4061,7 +4061,6 @@
               <a:rPr lang="en-US" altLang="zh-TW" dirty="0" smtClean="0"/>
               <a:t>200x500</a:t>
             </a:r>
-            <a:endParaRPr lang="en-US" altLang="zh-TW" dirty="0" smtClean="0"/>
           </a:p>
           <a:p>
             <a:r>
@@ -4183,11 +4182,7 @@
             </a:r>
             <a:r>
               <a:rPr lang="zh-TW" altLang="en-US" dirty="0" smtClean="0"/>
-              <a:t> </a:t>
-            </a:r>
-            <a:r>
-              <a:rPr lang="zh-TW" altLang="en-US" dirty="0" smtClean="0"/>
-              <a:t>遊戲畫面</a:t>
+              <a:t> 遊戲畫面</a:t>
             </a:r>
             <a:endParaRPr lang="zh-TW" altLang="en-US" dirty="0"/>
           </a:p>
@@ -4275,15 +4270,7 @@
           <a:p>
             <a:r>
               <a:rPr lang="zh-TW" altLang="en-US" dirty="0" smtClean="0"/>
-              <a:t>為了達到預測落點</a:t>
-            </a:r>
-            <a:r>
-              <a:rPr lang="zh-TW" altLang="en-US" dirty="0" smtClean="0"/>
-              <a:t>，需要的</a:t>
-            </a:r>
-            <a:r>
-              <a:rPr lang="zh-TW" altLang="en-US" dirty="0" smtClean="0"/>
-              <a:t>參數：</a:t>
+              <a:t>為了達到預測落點，需要的參數：</a:t>
             </a:r>
             <a:endParaRPr lang="en-US" altLang="zh-TW" dirty="0" smtClean="0"/>
           </a:p>
@@ -4293,7 +4280,6 @@
               <a:rPr lang="en-US" altLang="zh-TW" dirty="0" smtClean="0"/>
               <a:t>Input</a:t>
             </a:r>
-            <a:endParaRPr lang="en-US" altLang="zh-TW" dirty="0" smtClean="0"/>
           </a:p>
           <a:p>
             <a:pPr lvl="2"/>
@@ -4314,20 +4300,8 @@
           <a:p>
             <a:pPr lvl="2"/>
             <a:r>
-              <a:rPr lang="en-US" altLang="zh-TW" dirty="0"/>
-              <a:t>Y</a:t>
-            </a:r>
-            <a:r>
-              <a:rPr lang="zh-TW" altLang="en-US" dirty="0"/>
-              <a:t>座標</a:t>
-            </a:r>
-            <a:r>
-              <a:rPr lang="en-US" altLang="zh-TW" dirty="0"/>
-              <a:t>=80</a:t>
-            </a:r>
-            <a:r>
-              <a:rPr lang="zh-TW" altLang="en-US" dirty="0" smtClean="0"/>
-              <a:t>時，球</a:t>
+              <a:rPr lang="zh-TW" altLang="en-US" smtClean="0"/>
+              <a:t>球</a:t>
             </a:r>
             <a:r>
               <a:rPr lang="zh-TW" altLang="en-US" dirty="0"/>
@@ -4397,7 +4371,6 @@
               <a:rPr lang="en-US" altLang="zh-TW" dirty="0" smtClean="0"/>
               <a:t>1)</a:t>
             </a:r>
-            <a:endParaRPr lang="en-US" altLang="zh-TW" dirty="0" smtClean="0"/>
           </a:p>
           <a:p>
             <a:pPr lvl="1"/>
@@ -5387,10 +5360,6 @@
               </a:rPr>
               <a:t>結果</a:t>
             </a:r>
-            <a:endParaRPr lang="zh-TW" altLang="en-US" dirty="0">
-              <a:latin typeface="Times New Roman" panose="02020603050405020304" pitchFamily="18" charset="0"/>
-              <a:ea typeface="標楷體" panose="03000509000000000000" pitchFamily="65" charset="-120"/>
-            </a:endParaRPr>
           </a:p>
         </p:txBody>
       </p:sp>

--- a/HW7/機器學習-pingpong.pptx
+++ b/HW7/機器學習-pingpong.pptx
@@ -4300,7 +4300,7 @@
           <a:p>
             <a:pPr lvl="2"/>
             <a:r>
-              <a:rPr lang="zh-TW" altLang="en-US" smtClean="0"/>
+              <a:rPr lang="zh-TW" altLang="en-US" dirty="0" smtClean="0"/>
               <a:t>球</a:t>
             </a:r>
             <a:r>
@@ -4396,6 +4396,38 @@
             <a:r>
               <a:rPr lang="zh-TW" altLang="en-US" dirty="0" smtClean="0"/>
               <a:t>座標</a:t>
+            </a:r>
+            <a:endParaRPr lang="en-US" altLang="zh-TW" dirty="0" smtClean="0"/>
+          </a:p>
+          <a:p>
+            <a:pPr lvl="2"/>
+            <a:endParaRPr lang="en-US" altLang="zh-TW" dirty="0"/>
+          </a:p>
+          <a:p>
+            <a:pPr lvl="1"/>
+            <a:r>
+              <a:rPr lang="zh-TW" altLang="en-US" dirty="0" smtClean="0"/>
+              <a:t>方法：</a:t>
+            </a:r>
+            <a:endParaRPr lang="en-US" altLang="zh-TW" dirty="0" smtClean="0"/>
+          </a:p>
+          <a:p>
+            <a:pPr lvl="2"/>
+            <a:r>
+              <a:rPr lang="zh-TW" altLang="en-US" dirty="0" smtClean="0"/>
+              <a:t>統計資料、查表</a:t>
+            </a:r>
+            <a:r>
+              <a:rPr lang="en-US" altLang="zh-TW" dirty="0" smtClean="0"/>
+              <a:t>(</a:t>
+            </a:r>
+            <a:r>
+              <a:rPr lang="zh-TW" altLang="en-US" smtClean="0"/>
+              <a:t>球斜率有誤差值須考慮</a:t>
+            </a:r>
+            <a:r>
+              <a:rPr lang="en-US" altLang="zh-TW" smtClean="0"/>
+              <a:t>)</a:t>
             </a:r>
             <a:endParaRPr lang="en-US" altLang="zh-TW" dirty="0"/>
           </a:p>
@@ -6130,9 +6162,13 @@
           <a:p>
             <a:r>
               <a:rPr lang="zh-TW" altLang="en-US" dirty="0" smtClean="0"/>
-              <a:t>統計流程</a:t>
-            </a:r>
-            <a:endParaRPr lang="en-US" altLang="zh-TW" dirty="0"/>
+              <a:t>統計</a:t>
+            </a:r>
+            <a:r>
+              <a:rPr lang="zh-TW" altLang="en-US" dirty="0" smtClean="0"/>
+              <a:t>流程</a:t>
+            </a:r>
+            <a:endParaRPr lang="en-US" altLang="zh-TW" dirty="0" smtClean="0"/>
           </a:p>
         </p:txBody>
       </p:sp>

--- a/HW7/機器學習-pingpong.pptx
+++ b/HW7/機器學習-pingpong.pptx
@@ -5,10 +5,10 @@
     <p:sldMasterId id="2147483648" r:id="rId1"/>
   </p:sldMasterIdLst>
   <p:notesMasterIdLst>
-    <p:notesMasterId r:id="rId11"/>
+    <p:notesMasterId r:id="rId12"/>
   </p:notesMasterIdLst>
   <p:handoutMasterIdLst>
-    <p:handoutMasterId r:id="rId12"/>
+    <p:handoutMasterId r:id="rId13"/>
   </p:handoutMasterIdLst>
   <p:sldIdLst>
     <p:sldId id="272" r:id="rId2"/>
@@ -20,6 +20,7 @@
     <p:sldId id="278" r:id="rId8"/>
     <p:sldId id="280" r:id="rId9"/>
     <p:sldId id="282" r:id="rId10"/>
+    <p:sldId id="283" r:id="rId11"/>
   </p:sldIdLst>
   <p:sldSz cx="12192000" cy="6858000"/>
   <p:notesSz cx="6858000" cy="9144000"/>
@@ -211,7 +212,7 @@
           <a:p>
             <a:fld id="{7829F8E0-05F2-4742-BB97-D2E4F51035C8}" type="datetimeFigureOut">
               <a:rPr lang="zh-TW" altLang="en-US" smtClean="0"/>
-              <a:t>2019/12/11</a:t>
+              <a:t>2020/1/7</a:t>
             </a:fld>
             <a:endParaRPr lang="zh-TW" altLang="en-US"/>
           </a:p>
@@ -376,7 +377,7 @@
           <a:p>
             <a:fld id="{2CB905C5-9D54-40E2-B40C-7996280CAB02}" type="datetimeFigureOut">
               <a:rPr lang="zh-TW" altLang="en-US" smtClean="0"/>
-              <a:t>2019/12/11</a:t>
+              <a:t>2020/1/7</a:t>
             </a:fld>
             <a:endParaRPr lang="zh-TW" altLang="en-US"/>
           </a:p>
@@ -780,7 +781,7 @@
           <a:p>
             <a:fld id="{0C0CC965-A63A-473D-BEFB-C8F9714D5269}" type="datetimeFigureOut">
               <a:rPr lang="zh-TW" altLang="en-US" smtClean="0"/>
-              <a:t>2019/12/11</a:t>
+              <a:t>2020/1/7</a:t>
             </a:fld>
             <a:endParaRPr lang="zh-TW" altLang="en-US"/>
           </a:p>
@@ -950,7 +951,7 @@
           <a:p>
             <a:fld id="{0C0CC965-A63A-473D-BEFB-C8F9714D5269}" type="datetimeFigureOut">
               <a:rPr lang="zh-TW" altLang="en-US" smtClean="0"/>
-              <a:t>2019/12/11</a:t>
+              <a:t>2020/1/7</a:t>
             </a:fld>
             <a:endParaRPr lang="zh-TW" altLang="en-US"/>
           </a:p>
@@ -1130,7 +1131,7 @@
           <a:p>
             <a:fld id="{0C0CC965-A63A-473D-BEFB-C8F9714D5269}" type="datetimeFigureOut">
               <a:rPr lang="zh-TW" altLang="en-US" smtClean="0"/>
-              <a:t>2019/12/11</a:t>
+              <a:t>2020/1/7</a:t>
             </a:fld>
             <a:endParaRPr lang="zh-TW" altLang="en-US"/>
           </a:p>
@@ -1435,7 +1436,7 @@
           <a:p>
             <a:fld id="{0C0CC965-A63A-473D-BEFB-C8F9714D5269}" type="datetimeFigureOut">
               <a:rPr lang="zh-TW" altLang="en-US" smtClean="0"/>
-              <a:t>2019/12/11</a:t>
+              <a:t>2020/1/7</a:t>
             </a:fld>
             <a:endParaRPr lang="zh-TW" altLang="en-US"/>
           </a:p>
@@ -1688,7 +1689,7 @@
           <a:p>
             <a:fld id="{0C0CC965-A63A-473D-BEFB-C8F9714D5269}" type="datetimeFigureOut">
               <a:rPr lang="zh-TW" altLang="en-US" smtClean="0"/>
-              <a:t>2019/12/11</a:t>
+              <a:t>2020/1/7</a:t>
             </a:fld>
             <a:endParaRPr lang="zh-TW" altLang="en-US"/>
           </a:p>
@@ -1920,7 +1921,7 @@
           <a:p>
             <a:fld id="{0C0CC965-A63A-473D-BEFB-C8F9714D5269}" type="datetimeFigureOut">
               <a:rPr lang="zh-TW" altLang="en-US" smtClean="0"/>
-              <a:t>2019/12/11</a:t>
+              <a:t>2020/1/7</a:t>
             </a:fld>
             <a:endParaRPr lang="zh-TW" altLang="en-US"/>
           </a:p>
@@ -2287,7 +2288,7 @@
           <a:p>
             <a:fld id="{0C0CC965-A63A-473D-BEFB-C8F9714D5269}" type="datetimeFigureOut">
               <a:rPr lang="zh-TW" altLang="en-US" smtClean="0"/>
-              <a:t>2019/12/11</a:t>
+              <a:t>2020/1/7</a:t>
             </a:fld>
             <a:endParaRPr lang="zh-TW" altLang="en-US"/>
           </a:p>
@@ -2405,7 +2406,7 @@
           <a:p>
             <a:fld id="{0C0CC965-A63A-473D-BEFB-C8F9714D5269}" type="datetimeFigureOut">
               <a:rPr lang="zh-TW" altLang="en-US" smtClean="0"/>
-              <a:t>2019/12/11</a:t>
+              <a:t>2020/1/7</a:t>
             </a:fld>
             <a:endParaRPr lang="zh-TW" altLang="en-US"/>
           </a:p>
@@ -2500,7 +2501,7 @@
           <a:p>
             <a:fld id="{0C0CC965-A63A-473D-BEFB-C8F9714D5269}" type="datetimeFigureOut">
               <a:rPr lang="zh-TW" altLang="en-US" smtClean="0"/>
-              <a:t>2019/12/11</a:t>
+              <a:t>2020/1/7</a:t>
             </a:fld>
             <a:endParaRPr lang="zh-TW" altLang="en-US"/>
           </a:p>
@@ -2777,7 +2778,7 @@
           <a:p>
             <a:fld id="{0C0CC965-A63A-473D-BEFB-C8F9714D5269}" type="datetimeFigureOut">
               <a:rPr lang="zh-TW" altLang="en-US" smtClean="0"/>
-              <a:t>2019/12/11</a:t>
+              <a:t>2020/1/7</a:t>
             </a:fld>
             <a:endParaRPr lang="zh-TW" altLang="en-US"/>
           </a:p>
@@ -3030,7 +3031,7 @@
           <a:p>
             <a:fld id="{0C0CC965-A63A-473D-BEFB-C8F9714D5269}" type="datetimeFigureOut">
               <a:rPr lang="zh-TW" altLang="en-US" smtClean="0"/>
-              <a:t>2019/12/11</a:t>
+              <a:t>2020/1/7</a:t>
             </a:fld>
             <a:endParaRPr lang="zh-TW" altLang="en-US"/>
           </a:p>
@@ -3294,7 +3295,7 @@
             <a:fld id="{0C0CC965-A63A-473D-BEFB-C8F9714D5269}" type="datetimeFigureOut">
               <a:rPr lang="zh-TW" altLang="en-US" smtClean="0"/>
               <a:pPr/>
-              <a:t>2019/12/11</a:t>
+              <a:t>2020/1/7</a:t>
             </a:fld>
             <a:endParaRPr lang="zh-TW" altLang="en-US"/>
           </a:p>
@@ -3817,6 +3818,119 @@
 </p:sld>
 </file>
 
+<file path=ppt/slides/slide10.xml><?xml version="1.0" encoding="utf-8"?>
+<p:sld xmlns:a="http://schemas.openxmlformats.org/drawingml/2006/main" xmlns:r="http://schemas.openxmlformats.org/officeDocument/2006/relationships" xmlns:p="http://schemas.openxmlformats.org/presentationml/2006/main">
+  <p:cSld>
+    <p:spTree>
+      <p:nvGrpSpPr>
+        <p:cNvPr id="1" name=""/>
+        <p:cNvGrpSpPr/>
+        <p:nvPr/>
+      </p:nvGrpSpPr>
+      <p:grpSpPr>
+        <a:xfrm>
+          <a:off x="0" y="0"/>
+          <a:ext cx="0" cy="0"/>
+          <a:chOff x="0" y="0"/>
+          <a:chExt cx="0" cy="0"/>
+        </a:xfrm>
+      </p:grpSpPr>
+      <p:sp>
+        <p:nvSpPr>
+          <p:cNvPr id="2" name="內容版面配置區 1"/>
+          <p:cNvSpPr>
+            <a:spLocks noGrp="1"/>
+          </p:cNvSpPr>
+          <p:nvPr>
+            <p:ph idx="1"/>
+          </p:nvPr>
+        </p:nvSpPr>
+        <p:spPr>
+          <a:xfrm>
+            <a:off x="838200" y="1204073"/>
+            <a:ext cx="10515600" cy="5035551"/>
+          </a:xfrm>
+        </p:spPr>
+        <p:txBody>
+          <a:bodyPr/>
+          <a:lstStyle/>
+          <a:p>
+            <a:r>
+              <a:rPr lang="zh-TW" altLang="en-US" dirty="0" smtClean="0"/>
+              <a:t>統計 </a:t>
+            </a:r>
+            <a:r>
+              <a:rPr lang="en-US" altLang="zh-TW" dirty="0" smtClean="0"/>
+              <a:t>–</a:t>
+            </a:r>
+            <a:r>
+              <a:rPr lang="zh-TW" altLang="en-US" dirty="0" smtClean="0"/>
+              <a:t> 遊戲流程圖</a:t>
+            </a:r>
+            <a:endParaRPr lang="en-US" altLang="zh-TW" dirty="0" smtClean="0"/>
+          </a:p>
+        </p:txBody>
+      </p:sp>
+      <p:sp>
+        <p:nvSpPr>
+          <p:cNvPr id="4" name="標題 3"/>
+          <p:cNvSpPr>
+            <a:spLocks noGrp="1"/>
+          </p:cNvSpPr>
+          <p:nvPr>
+            <p:ph type="title"/>
+          </p:nvPr>
+        </p:nvSpPr>
+        <p:spPr/>
+        <p:txBody>
+          <a:bodyPr/>
+          <a:lstStyle/>
+          <a:p>
+            <a:r>
+              <a:rPr lang="zh-TW" altLang="en-US" dirty="0" smtClean="0"/>
+              <a:t>設計</a:t>
+            </a:r>
+            <a:endParaRPr lang="zh-TW" altLang="en-US" dirty="0"/>
+          </a:p>
+        </p:txBody>
+      </p:sp>
+      <p:pic>
+        <p:nvPicPr>
+          <p:cNvPr id="6" name="圖片 5"/>
+          <p:cNvPicPr>
+            <a:picLocks noChangeAspect="1"/>
+          </p:cNvPicPr>
+          <p:nvPr/>
+        </p:nvPicPr>
+        <p:blipFill>
+          <a:blip r:embed="rId2"/>
+          <a:stretch>
+            <a:fillRect/>
+          </a:stretch>
+        </p:blipFill>
+        <p:spPr>
+          <a:xfrm>
+            <a:off x="1463565" y="1613587"/>
+            <a:ext cx="9264869" cy="4626037"/>
+          </a:xfrm>
+          <a:prstGeom prst="rect">
+            <a:avLst/>
+          </a:prstGeom>
+        </p:spPr>
+      </p:pic>
+    </p:spTree>
+    <p:extLst>
+      <p:ext uri="{BB962C8B-B14F-4D97-AF65-F5344CB8AC3E}">
+        <p14:creationId xmlns:p14="http://schemas.microsoft.com/office/powerpoint/2010/main" val="2124991447"/>
+      </p:ext>
+    </p:extLst>
+  </p:cSld>
+  <p:clrMapOvr>
+    <a:masterClrMapping/>
+  </p:clrMapOvr>
+</p:sld>
+</file>
+
 <file path=ppt/slides/slide2.xml><?xml version="1.0" encoding="utf-8"?>
 <p:sld xmlns:a="http://schemas.openxmlformats.org/drawingml/2006/main" xmlns:r="http://schemas.openxmlformats.org/officeDocument/2006/relationships" xmlns:p="http://schemas.openxmlformats.org/presentationml/2006/main">
   <p:cSld>
@@ -4947,36 +5061,13 @@
       </p:grpSpPr>
       <p:sp>
         <p:nvSpPr>
-          <p:cNvPr id="4" name="標題 3"/>
-          <p:cNvSpPr>
-            <a:spLocks noGrp="1"/>
-          </p:cNvSpPr>
-          <p:nvPr>
-            <p:ph type="title"/>
-          </p:nvPr>
-        </p:nvSpPr>
-        <p:spPr/>
-        <p:txBody>
-          <a:bodyPr/>
-          <a:lstStyle/>
-          <a:p>
-            <a:r>
-              <a:rPr lang="zh-TW" altLang="en-US" dirty="0" smtClean="0"/>
-              <a:t>分析</a:t>
-            </a:r>
-            <a:endParaRPr lang="zh-TW" altLang="en-US" dirty="0"/>
-          </a:p>
-        </p:txBody>
-      </p:sp>
-      <p:sp>
-        <p:nvSpPr>
-          <p:cNvPr id="3" name="矩形 2"/>
+          <p:cNvPr id="31" name="矩形 30"/>
           <p:cNvSpPr/>
           <p:nvPr/>
         </p:nvSpPr>
         <p:spPr>
           <a:xfrm>
-            <a:off x="2640620" y="3260066"/>
+            <a:off x="2634615" y="4973952"/>
             <a:ext cx="1656080" cy="690880"/>
           </a:xfrm>
           <a:prstGeom prst="rect">
@@ -5006,27 +5097,54 @@
             <a:pPr algn="ctr"/>
             <a:r>
               <a:rPr lang="zh-TW" altLang="en-US" dirty="0" smtClean="0">
-                <a:latin typeface="標楷體" panose="03000509000000000000" pitchFamily="65" charset="-120"/>
+                <a:solidFill>
+                  <a:srgbClr val="FF0000"/>
+                </a:solidFill>
+                <a:latin typeface="Times New Roman" panose="02020603050405020304" pitchFamily="18" charset="0"/>
                 <a:ea typeface="標楷體" panose="03000509000000000000" pitchFamily="65" charset="-120"/>
               </a:rPr>
-              <a:t>蒐集資料</a:t>
-            </a:r>
-            <a:endParaRPr lang="zh-TW" altLang="en-US" dirty="0">
-              <a:latin typeface="標楷體" panose="03000509000000000000" pitchFamily="65" charset="-120"/>
+              <a:t>不論輸贏</a:t>
+            </a:r>
+            <a:endParaRPr lang="en-US" altLang="zh-TW" dirty="0" smtClean="0">
+              <a:solidFill>
+                <a:srgbClr val="FF0000"/>
+              </a:solidFill>
+              <a:latin typeface="Times New Roman" panose="02020603050405020304" pitchFamily="18" charset="0"/>
               <a:ea typeface="標楷體" panose="03000509000000000000" pitchFamily="65" charset="-120"/>
             </a:endParaRPr>
           </a:p>
-        </p:txBody>
-      </p:sp>
-      <p:sp>
-        <p:nvSpPr>
-          <p:cNvPr id="6" name="矩形 5"/>
+          <a:p>
+            <a:pPr algn="ctr"/>
+            <a:r>
+              <a:rPr lang="zh-TW" altLang="en-US" dirty="0" smtClean="0">
+                <a:latin typeface="Times New Roman" panose="02020603050405020304" pitchFamily="18" charset="0"/>
+                <a:ea typeface="標楷體" panose="03000509000000000000" pitchFamily="65" charset="-120"/>
+              </a:rPr>
+              <a:t>輸出</a:t>
+            </a:r>
+            <a:r>
+              <a:rPr lang="en-US" altLang="zh-TW" dirty="0">
+                <a:latin typeface="Times New Roman" panose="02020603050405020304" pitchFamily="18" charset="0"/>
+                <a:ea typeface="標楷體" panose="03000509000000000000" pitchFamily="65" charset="-120"/>
+              </a:rPr>
+              <a:t>Excel</a:t>
+            </a:r>
+            <a:endParaRPr lang="zh-TW" altLang="en-US" dirty="0">
+              <a:latin typeface="Times New Roman" panose="02020603050405020304" pitchFamily="18" charset="0"/>
+              <a:ea typeface="標楷體" panose="03000509000000000000" pitchFamily="65" charset="-120"/>
+            </a:endParaRPr>
+          </a:p>
+        </p:txBody>
+      </p:sp>
+      <p:sp>
+        <p:nvSpPr>
+          <p:cNvPr id="29" name="矩形 28"/>
           <p:cNvSpPr/>
           <p:nvPr/>
         </p:nvSpPr>
         <p:spPr>
           <a:xfrm>
-            <a:off x="7677785" y="3260066"/>
+            <a:off x="4435475" y="4973952"/>
             <a:ext cx="1656080" cy="690880"/>
           </a:xfrm>
           <a:prstGeom prst="rect">
@@ -5056,13 +5174,13 @@
             <a:pPr algn="ctr"/>
             <a:r>
               <a:rPr lang="zh-TW" altLang="en-US" dirty="0" smtClean="0">
-                <a:latin typeface="標楷體" panose="03000509000000000000" pitchFamily="65" charset="-120"/>
+                <a:latin typeface="Times New Roman" panose="02020603050405020304" pitchFamily="18" charset="0"/>
                 <a:ea typeface="標楷體" panose="03000509000000000000" pitchFamily="65" charset="-120"/>
               </a:rPr>
-              <a:t>測試結果</a:t>
+              <a:t>過濾資料</a:t>
             </a:r>
             <a:endParaRPr lang="zh-TW" altLang="en-US" dirty="0">
-              <a:latin typeface="標楷體" panose="03000509000000000000" pitchFamily="65" charset="-120"/>
+              <a:latin typeface="Times New Roman" panose="02020603050405020304" pitchFamily="18" charset="0"/>
               <a:ea typeface="標楷體" panose="03000509000000000000" pitchFamily="65" charset="-120"/>
             </a:endParaRPr>
           </a:p>
@@ -5070,13 +5188,36 @@
       </p:sp>
       <p:sp>
         <p:nvSpPr>
-          <p:cNvPr id="7" name="矩形 6"/>
+          <p:cNvPr id="4" name="標題 3"/>
+          <p:cNvSpPr>
+            <a:spLocks noGrp="1"/>
+          </p:cNvSpPr>
+          <p:nvPr>
+            <p:ph type="title"/>
+          </p:nvPr>
+        </p:nvSpPr>
+        <p:spPr/>
+        <p:txBody>
+          <a:bodyPr/>
+          <a:lstStyle/>
+          <a:p>
+            <a:r>
+              <a:rPr lang="zh-TW" altLang="en-US" dirty="0" smtClean="0"/>
+              <a:t>分析</a:t>
+            </a:r>
+            <a:endParaRPr lang="zh-TW" altLang="en-US" dirty="0"/>
+          </a:p>
+        </p:txBody>
+      </p:sp>
+      <p:sp>
+        <p:nvSpPr>
+          <p:cNvPr id="3" name="矩形 2"/>
           <p:cNvSpPr/>
           <p:nvPr/>
         </p:nvSpPr>
         <p:spPr>
           <a:xfrm>
-            <a:off x="5267960" y="1546180"/>
+            <a:off x="2640620" y="3260066"/>
             <a:ext cx="1656080" cy="690880"/>
           </a:xfrm>
           <a:prstGeom prst="rect">
@@ -5105,33 +5246,28 @@
           <a:p>
             <a:pPr algn="ctr"/>
             <a:r>
-              <a:rPr lang="en-US" altLang="zh-TW" dirty="0">
-                <a:latin typeface="Times New Roman" panose="02020603050405020304" pitchFamily="18" charset="0"/>
+              <a:rPr lang="zh-TW" altLang="en-US" dirty="0" smtClean="0">
+                <a:latin typeface="標楷體" panose="03000509000000000000" pitchFamily="65" charset="-120"/>
                 <a:ea typeface="標楷體" panose="03000509000000000000" pitchFamily="65" charset="-120"/>
               </a:rPr>
-              <a:t>Ping</a:t>
-            </a:r>
-            <a:r>
-              <a:rPr lang="zh-TW" altLang="en-US" dirty="0" smtClean="0"/>
-              <a:t> </a:t>
-            </a:r>
-            <a:r>
-              <a:rPr lang="en-US" altLang="zh-TW" dirty="0" smtClean="0"/>
-              <a:t>pong</a:t>
-            </a:r>
-            <a:endParaRPr lang="zh-TW" altLang="en-US" dirty="0"/>
-          </a:p>
-        </p:txBody>
-      </p:sp>
-      <p:sp>
-        <p:nvSpPr>
-          <p:cNvPr id="9" name="矩形 8"/>
+              <a:t>蒐集資料</a:t>
+            </a:r>
+            <a:endParaRPr lang="zh-TW" altLang="en-US" dirty="0">
+              <a:latin typeface="標楷體" panose="03000509000000000000" pitchFamily="65" charset="-120"/>
+              <a:ea typeface="標楷體" panose="03000509000000000000" pitchFamily="65" charset="-120"/>
+            </a:endParaRPr>
+          </a:p>
+        </p:txBody>
+      </p:sp>
+      <p:sp>
+        <p:nvSpPr>
+          <p:cNvPr id="6" name="矩形 5"/>
           <p:cNvSpPr/>
           <p:nvPr/>
         </p:nvSpPr>
         <p:spPr>
           <a:xfrm>
-            <a:off x="1369465" y="4973952"/>
+            <a:off x="8041640" y="3260066"/>
             <a:ext cx="1656080" cy="690880"/>
           </a:xfrm>
           <a:prstGeom prst="rect">
@@ -5160,28 +5296,14 @@
           <a:p>
             <a:pPr algn="ctr"/>
             <a:r>
-              <a:rPr lang="en-US" altLang="zh-TW" dirty="0">
-                <a:latin typeface="Times New Roman" panose="02020603050405020304" pitchFamily="18" charset="0"/>
+              <a:rPr lang="zh-TW" altLang="en-US" dirty="0" smtClean="0">
+                <a:latin typeface="標楷體" panose="03000509000000000000" pitchFamily="65" charset="-120"/>
                 <a:ea typeface="標楷體" panose="03000509000000000000" pitchFamily="65" charset="-120"/>
               </a:rPr>
-              <a:t>Rule</a:t>
-            </a:r>
-            <a:r>
-              <a:rPr lang="zh-TW" altLang="en-US" dirty="0">
-                <a:latin typeface="Times New Roman" panose="02020603050405020304" pitchFamily="18" charset="0"/>
-                <a:ea typeface="標楷體" panose="03000509000000000000" pitchFamily="65" charset="-120"/>
-              </a:rPr>
-              <a:t> </a:t>
-            </a:r>
-            <a:r>
-              <a:rPr lang="en-US" altLang="zh-TW" dirty="0">
-                <a:latin typeface="Times New Roman" panose="02020603050405020304" pitchFamily="18" charset="0"/>
-                <a:ea typeface="標楷體" panose="03000509000000000000" pitchFamily="65" charset="-120"/>
-              </a:rPr>
-              <a:t>base</a:t>
+              <a:t>測試結果</a:t>
             </a:r>
             <a:endParaRPr lang="zh-TW" altLang="en-US" dirty="0">
-              <a:latin typeface="Times New Roman" panose="02020603050405020304" pitchFamily="18" charset="0"/>
+              <a:latin typeface="標楷體" panose="03000509000000000000" pitchFamily="65" charset="-120"/>
               <a:ea typeface="標楷體" panose="03000509000000000000" pitchFamily="65" charset="-120"/>
             </a:endParaRPr>
           </a:p>
@@ -5189,13 +5311,13 @@
       </p:sp>
       <p:sp>
         <p:nvSpPr>
-          <p:cNvPr id="10" name="矩形 9"/>
+          <p:cNvPr id="7" name="矩形 6"/>
           <p:cNvSpPr/>
           <p:nvPr/>
         </p:nvSpPr>
         <p:spPr>
           <a:xfrm>
-            <a:off x="3853585" y="4973952"/>
+            <a:off x="5267960" y="1546180"/>
             <a:ext cx="1656080" cy="690880"/>
           </a:xfrm>
           <a:prstGeom prst="rect">
@@ -5224,55 +5346,33 @@
           <a:p>
             <a:pPr algn="ctr"/>
             <a:r>
-              <a:rPr lang="zh-TW" altLang="en-US" dirty="0" smtClean="0">
-                <a:solidFill>
-                  <a:srgbClr val="FF0000"/>
-                </a:solidFill>
-                <a:latin typeface="Times New Roman" panose="02020603050405020304" pitchFamily="18" charset="0"/>
-                <a:ea typeface="標楷體" panose="03000509000000000000" pitchFamily="65" charset="-120"/>
-              </a:rPr>
-              <a:t>不論輸贏</a:t>
-            </a:r>
-            <a:endParaRPr lang="en-US" altLang="zh-TW" dirty="0" smtClean="0">
-              <a:solidFill>
-                <a:srgbClr val="FF0000"/>
-              </a:solidFill>
-              <a:latin typeface="Times New Roman" panose="02020603050405020304" pitchFamily="18" charset="0"/>
-              <a:ea typeface="標楷體" panose="03000509000000000000" pitchFamily="65" charset="-120"/>
-            </a:endParaRPr>
-          </a:p>
-          <a:p>
-            <a:pPr algn="ctr"/>
-            <a:r>
-              <a:rPr lang="zh-TW" altLang="en-US" dirty="0" smtClean="0">
-                <a:latin typeface="Times New Roman" panose="02020603050405020304" pitchFamily="18" charset="0"/>
-                <a:ea typeface="標楷體" panose="03000509000000000000" pitchFamily="65" charset="-120"/>
-              </a:rPr>
-              <a:t>輸出</a:t>
-            </a:r>
-            <a:r>
               <a:rPr lang="en-US" altLang="zh-TW" dirty="0">
                 <a:latin typeface="Times New Roman" panose="02020603050405020304" pitchFamily="18" charset="0"/>
                 <a:ea typeface="標楷體" panose="03000509000000000000" pitchFamily="65" charset="-120"/>
               </a:rPr>
-              <a:t>Excel</a:t>
-            </a:r>
-            <a:endParaRPr lang="zh-TW" altLang="en-US" dirty="0">
-              <a:latin typeface="Times New Roman" panose="02020603050405020304" pitchFamily="18" charset="0"/>
-              <a:ea typeface="標楷體" panose="03000509000000000000" pitchFamily="65" charset="-120"/>
-            </a:endParaRPr>
-          </a:p>
-        </p:txBody>
-      </p:sp>
-      <p:sp>
-        <p:nvSpPr>
-          <p:cNvPr id="12" name="矩形 11"/>
+              <a:t>Ping</a:t>
+            </a:r>
+            <a:r>
+              <a:rPr lang="zh-TW" altLang="en-US" dirty="0" smtClean="0"/>
+              <a:t> </a:t>
+            </a:r>
+            <a:r>
+              <a:rPr lang="en-US" altLang="zh-TW" dirty="0" smtClean="0"/>
+              <a:t>pong</a:t>
+            </a:r>
+            <a:endParaRPr lang="zh-TW" altLang="en-US" dirty="0"/>
+          </a:p>
+        </p:txBody>
+      </p:sp>
+      <p:sp>
+        <p:nvSpPr>
+          <p:cNvPr id="9" name="矩形 8"/>
           <p:cNvSpPr/>
           <p:nvPr/>
         </p:nvSpPr>
         <p:spPr>
           <a:xfrm>
-            <a:off x="6470650" y="4973952"/>
+            <a:off x="838200" y="4973952"/>
             <a:ext cx="1656080" cy="690880"/>
           </a:xfrm>
           <a:prstGeom prst="rect">
@@ -5301,18 +5401,25 @@
           <a:p>
             <a:pPr algn="ctr"/>
             <a:r>
+              <a:rPr lang="en-US" altLang="zh-TW" dirty="0">
+                <a:latin typeface="Times New Roman" panose="02020603050405020304" pitchFamily="18" charset="0"/>
+                <a:ea typeface="標楷體" panose="03000509000000000000" pitchFamily="65" charset="-120"/>
+              </a:rPr>
+              <a:t>Rule</a:t>
+            </a:r>
+            <a:r>
               <a:rPr lang="zh-TW" altLang="en-US" dirty="0">
                 <a:latin typeface="Times New Roman" panose="02020603050405020304" pitchFamily="18" charset="0"/>
                 <a:ea typeface="標楷體" panose="03000509000000000000" pitchFamily="65" charset="-120"/>
               </a:rPr>
-              <a:t>讀取</a:t>
+              <a:t> </a:t>
             </a:r>
             <a:r>
               <a:rPr lang="en-US" altLang="zh-TW" dirty="0">
                 <a:latin typeface="Times New Roman" panose="02020603050405020304" pitchFamily="18" charset="0"/>
                 <a:ea typeface="標楷體" panose="03000509000000000000" pitchFamily="65" charset="-120"/>
               </a:rPr>
-              <a:t>Excel</a:t>
+              <a:t>base</a:t>
             </a:r>
             <a:endParaRPr lang="zh-TW" altLang="en-US" dirty="0">
               <a:latin typeface="Times New Roman" panose="02020603050405020304" pitchFamily="18" charset="0"/>
@@ -5323,13 +5430,13 @@
       </p:sp>
       <p:sp>
         <p:nvSpPr>
-          <p:cNvPr id="13" name="矩形 12"/>
+          <p:cNvPr id="12" name="矩形 11"/>
           <p:cNvSpPr/>
           <p:nvPr/>
         </p:nvSpPr>
         <p:spPr>
           <a:xfrm>
-            <a:off x="8954770" y="4973952"/>
+            <a:off x="6385560" y="4973952"/>
             <a:ext cx="1656080" cy="690880"/>
           </a:xfrm>
           <a:prstGeom prst="rect">
@@ -5362,6 +5469,63 @@
                 <a:latin typeface="Times New Roman" panose="02020603050405020304" pitchFamily="18" charset="0"/>
                 <a:ea typeface="標楷體" panose="03000509000000000000" pitchFamily="65" charset="-120"/>
               </a:rPr>
+              <a:t>讀取</a:t>
+            </a:r>
+            <a:r>
+              <a:rPr lang="en-US" altLang="zh-TW" dirty="0">
+                <a:latin typeface="Times New Roman" panose="02020603050405020304" pitchFamily="18" charset="0"/>
+                <a:ea typeface="標楷體" panose="03000509000000000000" pitchFamily="65" charset="-120"/>
+              </a:rPr>
+              <a:t>Excel</a:t>
+            </a:r>
+            <a:endParaRPr lang="zh-TW" altLang="en-US" dirty="0">
+              <a:latin typeface="Times New Roman" panose="02020603050405020304" pitchFamily="18" charset="0"/>
+              <a:ea typeface="標楷體" panose="03000509000000000000" pitchFamily="65" charset="-120"/>
+            </a:endParaRPr>
+          </a:p>
+        </p:txBody>
+      </p:sp>
+      <p:sp>
+        <p:nvSpPr>
+          <p:cNvPr id="13" name="矩形 12"/>
+          <p:cNvSpPr/>
+          <p:nvPr/>
+        </p:nvSpPr>
+        <p:spPr>
+          <a:xfrm>
+            <a:off x="9697720" y="4973952"/>
+            <a:ext cx="1656080" cy="690880"/>
+          </a:xfrm>
+          <a:prstGeom prst="rect">
+            <a:avLst/>
+          </a:prstGeom>
+        </p:spPr>
+        <p:style>
+          <a:lnRef idx="2">
+            <a:schemeClr val="accent1">
+              <a:shade val="50000"/>
+            </a:schemeClr>
+          </a:lnRef>
+          <a:fillRef idx="1">
+            <a:schemeClr val="accent1"/>
+          </a:fillRef>
+          <a:effectRef idx="0">
+            <a:schemeClr val="accent1"/>
+          </a:effectRef>
+          <a:fontRef idx="minor">
+            <a:schemeClr val="lt1"/>
+          </a:fontRef>
+        </p:style>
+        <p:txBody>
+          <a:bodyPr rtlCol="0" anchor="ctr"/>
+          <a:lstStyle/>
+          <a:p>
+            <a:pPr algn="ctr"/>
+            <a:r>
+              <a:rPr lang="zh-TW" altLang="en-US" dirty="0">
+                <a:latin typeface="Times New Roman" panose="02020603050405020304" pitchFamily="18" charset="0"/>
+                <a:ea typeface="標楷體" panose="03000509000000000000" pitchFamily="65" charset="-120"/>
+              </a:rPr>
               <a:t>統計</a:t>
             </a:r>
             <a:r>
@@ -5407,7 +5571,7 @@
         <p:spPr>
           <a:xfrm>
             <a:off x="6096000" y="2237060"/>
-            <a:ext cx="2409825" cy="1023006"/>
+            <a:ext cx="2773680" cy="1023006"/>
           </a:xfrm>
           <a:prstGeom prst="straightConnector1">
             <a:avLst/>
@@ -5442,8 +5606,8 @@
         </p:nvCxnSpPr>
         <p:spPr>
           <a:xfrm flipH="1">
-            <a:off x="7298690" y="3950946"/>
-            <a:ext cx="1207135" cy="1023006"/>
+            <a:off x="7213600" y="3950946"/>
+            <a:ext cx="1656080" cy="1023006"/>
           </a:xfrm>
           <a:prstGeom prst="straightConnector1">
             <a:avLst/>
@@ -5478,8 +5642,8 @@
         </p:nvCxnSpPr>
         <p:spPr>
           <a:xfrm>
-            <a:off x="8505825" y="3950946"/>
-            <a:ext cx="1276985" cy="1023006"/>
+            <a:off x="8869680" y="3950946"/>
+            <a:ext cx="1656080" cy="1023006"/>
           </a:xfrm>
           <a:prstGeom prst="straightConnector1">
             <a:avLst/>
@@ -5550,8 +5714,8 @@
         </p:nvCxnSpPr>
         <p:spPr>
           <a:xfrm flipH="1">
-            <a:off x="2197505" y="3950946"/>
-            <a:ext cx="1271155" cy="1023006"/>
+            <a:off x="1666240" y="3950946"/>
+            <a:ext cx="1802420" cy="1023006"/>
           </a:xfrm>
           <a:prstGeom prst="straightConnector1">
             <a:avLst/>
@@ -5580,14 +5744,50 @@
           <p:cNvPr id="30" name="直線單箭頭接點 29"/>
           <p:cNvCxnSpPr>
             <a:stCxn id="3" idx="2"/>
-            <a:endCxn id="10" idx="0"/>
+            <a:endCxn id="29" idx="0"/>
           </p:cNvCxnSpPr>
           <p:nvPr/>
         </p:nvCxnSpPr>
         <p:spPr>
           <a:xfrm>
             <a:off x="3468660" y="3950946"/>
-            <a:ext cx="1212965" cy="1023006"/>
+            <a:ext cx="1794855" cy="1023006"/>
+          </a:xfrm>
+          <a:prstGeom prst="straightConnector1">
+            <a:avLst/>
+          </a:prstGeom>
+          <a:ln w="19050">
+            <a:tailEnd type="triangle"/>
+          </a:ln>
+        </p:spPr>
+        <p:style>
+          <a:lnRef idx="1">
+            <a:schemeClr val="accent1"/>
+          </a:lnRef>
+          <a:fillRef idx="0">
+            <a:schemeClr val="accent1"/>
+          </a:fillRef>
+          <a:effectRef idx="0">
+            <a:schemeClr val="accent1"/>
+          </a:effectRef>
+          <a:fontRef idx="minor">
+            <a:schemeClr val="tx1"/>
+          </a:fontRef>
+        </p:style>
+      </p:cxnSp>
+      <p:cxnSp>
+        <p:nvCxnSpPr>
+          <p:cNvPr id="21" name="直線單箭頭接點 20"/>
+          <p:cNvCxnSpPr>
+            <a:stCxn id="3" idx="2"/>
+            <a:endCxn id="31" idx="0"/>
+          </p:cNvCxnSpPr>
+          <p:nvPr/>
+        </p:nvCxnSpPr>
+        <p:spPr>
+          <a:xfrm flipH="1">
+            <a:off x="3462655" y="3950946"/>
+            <a:ext cx="6005" cy="1023006"/>
           </a:xfrm>
           <a:prstGeom prst="straightConnector1">
             <a:avLst/>
@@ -5754,7 +5954,7 @@
                     <a:p>
                       <a:pPr algn="ctr"/>
                       <a:r>
-                        <a:rPr lang="zh-TW" altLang="en-US" smtClean="0"/>
+                        <a:rPr lang="zh-TW" altLang="en-US" dirty="0" smtClean="0"/>
                         <a:t>變數名稱</a:t>
                       </a:r>
                       <a:endParaRPr lang="zh-TW" altLang="en-US" dirty="0"/>
@@ -6162,11 +6362,7 @@
           <a:p>
             <a:r>
               <a:rPr lang="zh-TW" altLang="en-US" dirty="0" smtClean="0"/>
-              <a:t>統計</a:t>
-            </a:r>
-            <a:r>
-              <a:rPr lang="zh-TW" altLang="en-US" dirty="0" smtClean="0"/>
-              <a:t>流程</a:t>
+              <a:t>統計流程</a:t>
             </a:r>
             <a:endParaRPr lang="en-US" altLang="zh-TW" dirty="0" smtClean="0"/>
           </a:p>

--- a/HW7/機器學習-pingpong.pptx
+++ b/HW7/機器學習-pingpong.pptx
@@ -5,10 +5,10 @@
     <p:sldMasterId id="2147483648" r:id="rId1"/>
   </p:sldMasterIdLst>
   <p:notesMasterIdLst>
-    <p:notesMasterId r:id="rId12"/>
+    <p:notesMasterId r:id="rId13"/>
   </p:notesMasterIdLst>
   <p:handoutMasterIdLst>
-    <p:handoutMasterId r:id="rId13"/>
+    <p:handoutMasterId r:id="rId14"/>
   </p:handoutMasterIdLst>
   <p:sldIdLst>
     <p:sldId id="272" r:id="rId2"/>
@@ -21,6 +21,7 @@
     <p:sldId id="280" r:id="rId9"/>
     <p:sldId id="282" r:id="rId10"/>
     <p:sldId id="283" r:id="rId11"/>
+    <p:sldId id="284" r:id="rId12"/>
   </p:sldIdLst>
   <p:sldSz cx="12192000" cy="6858000"/>
   <p:notesSz cx="6858000" cy="9144000"/>
@@ -212,7 +213,7 @@
           <a:p>
             <a:fld id="{7829F8E0-05F2-4742-BB97-D2E4F51035C8}" type="datetimeFigureOut">
               <a:rPr lang="zh-TW" altLang="en-US" smtClean="0"/>
-              <a:t>2020/1/7</a:t>
+              <a:t>2020/1/8</a:t>
             </a:fld>
             <a:endParaRPr lang="zh-TW" altLang="en-US"/>
           </a:p>
@@ -377,7 +378,7 @@
           <a:p>
             <a:fld id="{2CB905C5-9D54-40E2-B40C-7996280CAB02}" type="datetimeFigureOut">
               <a:rPr lang="zh-TW" altLang="en-US" smtClean="0"/>
-              <a:t>2020/1/7</a:t>
+              <a:t>2020/1/8</a:t>
             </a:fld>
             <a:endParaRPr lang="zh-TW" altLang="en-US"/>
           </a:p>
@@ -781,7 +782,7 @@
           <a:p>
             <a:fld id="{0C0CC965-A63A-473D-BEFB-C8F9714D5269}" type="datetimeFigureOut">
               <a:rPr lang="zh-TW" altLang="en-US" smtClean="0"/>
-              <a:t>2020/1/7</a:t>
+              <a:t>2020/1/8</a:t>
             </a:fld>
             <a:endParaRPr lang="zh-TW" altLang="en-US"/>
           </a:p>
@@ -951,7 +952,7 @@
           <a:p>
             <a:fld id="{0C0CC965-A63A-473D-BEFB-C8F9714D5269}" type="datetimeFigureOut">
               <a:rPr lang="zh-TW" altLang="en-US" smtClean="0"/>
-              <a:t>2020/1/7</a:t>
+              <a:t>2020/1/8</a:t>
             </a:fld>
             <a:endParaRPr lang="zh-TW" altLang="en-US"/>
           </a:p>
@@ -1131,7 +1132,7 @@
           <a:p>
             <a:fld id="{0C0CC965-A63A-473D-BEFB-C8F9714D5269}" type="datetimeFigureOut">
               <a:rPr lang="zh-TW" altLang="en-US" smtClean="0"/>
-              <a:t>2020/1/7</a:t>
+              <a:t>2020/1/8</a:t>
             </a:fld>
             <a:endParaRPr lang="zh-TW" altLang="en-US"/>
           </a:p>
@@ -1436,7 +1437,7 @@
           <a:p>
             <a:fld id="{0C0CC965-A63A-473D-BEFB-C8F9714D5269}" type="datetimeFigureOut">
               <a:rPr lang="zh-TW" altLang="en-US" smtClean="0"/>
-              <a:t>2020/1/7</a:t>
+              <a:t>2020/1/8</a:t>
             </a:fld>
             <a:endParaRPr lang="zh-TW" altLang="en-US"/>
           </a:p>
@@ -1689,7 +1690,7 @@
           <a:p>
             <a:fld id="{0C0CC965-A63A-473D-BEFB-C8F9714D5269}" type="datetimeFigureOut">
               <a:rPr lang="zh-TW" altLang="en-US" smtClean="0"/>
-              <a:t>2020/1/7</a:t>
+              <a:t>2020/1/8</a:t>
             </a:fld>
             <a:endParaRPr lang="zh-TW" altLang="en-US"/>
           </a:p>
@@ -1921,7 +1922,7 @@
           <a:p>
             <a:fld id="{0C0CC965-A63A-473D-BEFB-C8F9714D5269}" type="datetimeFigureOut">
               <a:rPr lang="zh-TW" altLang="en-US" smtClean="0"/>
-              <a:t>2020/1/7</a:t>
+              <a:t>2020/1/8</a:t>
             </a:fld>
             <a:endParaRPr lang="zh-TW" altLang="en-US"/>
           </a:p>
@@ -2288,7 +2289,7 @@
           <a:p>
             <a:fld id="{0C0CC965-A63A-473D-BEFB-C8F9714D5269}" type="datetimeFigureOut">
               <a:rPr lang="zh-TW" altLang="en-US" smtClean="0"/>
-              <a:t>2020/1/7</a:t>
+              <a:t>2020/1/8</a:t>
             </a:fld>
             <a:endParaRPr lang="zh-TW" altLang="en-US"/>
           </a:p>
@@ -2406,7 +2407,7 @@
           <a:p>
             <a:fld id="{0C0CC965-A63A-473D-BEFB-C8F9714D5269}" type="datetimeFigureOut">
               <a:rPr lang="zh-TW" altLang="en-US" smtClean="0"/>
-              <a:t>2020/1/7</a:t>
+              <a:t>2020/1/8</a:t>
             </a:fld>
             <a:endParaRPr lang="zh-TW" altLang="en-US"/>
           </a:p>
@@ -2501,7 +2502,7 @@
           <a:p>
             <a:fld id="{0C0CC965-A63A-473D-BEFB-C8F9714D5269}" type="datetimeFigureOut">
               <a:rPr lang="zh-TW" altLang="en-US" smtClean="0"/>
-              <a:t>2020/1/7</a:t>
+              <a:t>2020/1/8</a:t>
             </a:fld>
             <a:endParaRPr lang="zh-TW" altLang="en-US"/>
           </a:p>
@@ -2778,7 +2779,7 @@
           <a:p>
             <a:fld id="{0C0CC965-A63A-473D-BEFB-C8F9714D5269}" type="datetimeFigureOut">
               <a:rPr lang="zh-TW" altLang="en-US" smtClean="0"/>
-              <a:t>2020/1/7</a:t>
+              <a:t>2020/1/8</a:t>
             </a:fld>
             <a:endParaRPr lang="zh-TW" altLang="en-US"/>
           </a:p>
@@ -3031,7 +3032,7 @@
           <a:p>
             <a:fld id="{0C0CC965-A63A-473D-BEFB-C8F9714D5269}" type="datetimeFigureOut">
               <a:rPr lang="zh-TW" altLang="en-US" smtClean="0"/>
-              <a:t>2020/1/7</a:t>
+              <a:t>2020/1/8</a:t>
             </a:fld>
             <a:endParaRPr lang="zh-TW" altLang="en-US"/>
           </a:p>
@@ -3295,7 +3296,7 @@
             <a:fld id="{0C0CC965-A63A-473D-BEFB-C8F9714D5269}" type="datetimeFigureOut">
               <a:rPr lang="zh-TW" altLang="en-US" smtClean="0"/>
               <a:pPr/>
-              <a:t>2020/1/7</a:t>
+              <a:t>2020/1/8</a:t>
             </a:fld>
             <a:endParaRPr lang="zh-TW" altLang="en-US"/>
           </a:p>
@@ -3922,6 +3923,246 @@
     <p:extLst>
       <p:ext uri="{BB962C8B-B14F-4D97-AF65-F5344CB8AC3E}">
         <p14:creationId xmlns:p14="http://schemas.microsoft.com/office/powerpoint/2010/main" val="2124991447"/>
+      </p:ext>
+    </p:extLst>
+  </p:cSld>
+  <p:clrMapOvr>
+    <a:masterClrMapping/>
+  </p:clrMapOvr>
+</p:sld>
+</file>
+
+<file path=ppt/slides/slide11.xml><?xml version="1.0" encoding="utf-8"?>
+<p:sld xmlns:a="http://schemas.openxmlformats.org/drawingml/2006/main" xmlns:r="http://schemas.openxmlformats.org/officeDocument/2006/relationships" xmlns:p="http://schemas.openxmlformats.org/presentationml/2006/main">
+  <p:cSld>
+    <p:spTree>
+      <p:nvGrpSpPr>
+        <p:cNvPr id="1" name=""/>
+        <p:cNvGrpSpPr/>
+        <p:nvPr/>
+      </p:nvGrpSpPr>
+      <p:grpSpPr>
+        <a:xfrm>
+          <a:off x="0" y="0"/>
+          <a:ext cx="0" cy="0"/>
+          <a:chOff x="0" y="0"/>
+          <a:chExt cx="0" cy="0"/>
+        </a:xfrm>
+      </p:grpSpPr>
+      <p:sp>
+        <p:nvSpPr>
+          <p:cNvPr id="2" name="內容版面配置區 1"/>
+          <p:cNvSpPr>
+            <a:spLocks noGrp="1"/>
+          </p:cNvSpPr>
+          <p:nvPr>
+            <p:ph idx="1"/>
+          </p:nvPr>
+        </p:nvSpPr>
+        <p:spPr>
+          <a:xfrm>
+            <a:off x="838200" y="1204073"/>
+            <a:ext cx="7543097" cy="5035551"/>
+          </a:xfrm>
+        </p:spPr>
+        <p:txBody>
+          <a:bodyPr/>
+          <a:lstStyle/>
+          <a:p>
+            <a:r>
+              <a:rPr lang="zh-TW" altLang="en-US" dirty="0" smtClean="0"/>
+              <a:t>經過比賽發現幾點可改進的部分</a:t>
+            </a:r>
+            <a:endParaRPr lang="en-US" altLang="zh-TW" dirty="0" smtClean="0"/>
+          </a:p>
+          <a:p>
+            <a:endParaRPr lang="en-US" altLang="zh-TW" dirty="0"/>
+          </a:p>
+          <a:p>
+            <a:pPr marL="372600" indent="-457200">
+              <a:buFont typeface="+mj-lt"/>
+              <a:buAutoNum type="arabicPeriod"/>
+            </a:pPr>
+            <a:r>
+              <a:rPr lang="zh-TW" altLang="en-US" dirty="0"/>
+              <a:t>訓練資料不足以提供打到更高的</a:t>
+            </a:r>
+            <a:r>
+              <a:rPr lang="zh-TW" altLang="en-US" dirty="0" smtClean="0"/>
+              <a:t>速度</a:t>
+            </a:r>
+            <a:endParaRPr lang="en-US" altLang="zh-TW" dirty="0" smtClean="0"/>
+          </a:p>
+          <a:p>
+            <a:pPr lvl="1"/>
+            <a:r>
+              <a:rPr lang="zh-TW" altLang="en-US" dirty="0" smtClean="0"/>
+              <a:t>可解決</a:t>
+            </a:r>
+            <a:r>
+              <a:rPr lang="zh-TW" altLang="en-US" dirty="0"/>
+              <a:t>方法</a:t>
+            </a:r>
+            <a:r>
+              <a:rPr lang="zh-TW" altLang="en-US" dirty="0" smtClean="0"/>
+              <a:t>：可以</a:t>
+            </a:r>
+            <a:r>
+              <a:rPr lang="zh-TW" altLang="en-US" dirty="0"/>
+              <a:t>通過更好的</a:t>
+            </a:r>
+            <a:r>
+              <a:rPr lang="en-US" altLang="zh-TW" dirty="0"/>
+              <a:t>rule base</a:t>
+            </a:r>
+            <a:r>
+              <a:rPr lang="zh-TW" altLang="en-US" dirty="0"/>
+              <a:t>提供可以打到速度更快的訊練資料</a:t>
+            </a:r>
+          </a:p>
+          <a:p>
+            <a:pPr marL="372600" indent="-457200">
+              <a:buFont typeface="+mj-lt"/>
+              <a:buAutoNum type="arabicPeriod"/>
+            </a:pPr>
+            <a:endParaRPr lang="en-US" altLang="zh-TW" dirty="0"/>
+          </a:p>
+          <a:p>
+            <a:pPr marL="372600" indent="-457200">
+              <a:buFont typeface="+mj-lt"/>
+              <a:buAutoNum type="arabicPeriod"/>
+            </a:pPr>
+            <a:r>
+              <a:rPr lang="zh-TW" altLang="en-US" dirty="0"/>
+              <a:t>當對方打到板子的最角落時有很高機率會</a:t>
+            </a:r>
+            <a:r>
+              <a:rPr lang="zh-TW" altLang="en-US" dirty="0" smtClean="0"/>
+              <a:t>輸</a:t>
+            </a:r>
+            <a:endParaRPr lang="en-US" altLang="zh-TW" dirty="0" smtClean="0"/>
+          </a:p>
+          <a:p>
+            <a:pPr lvl="1"/>
+            <a:r>
+              <a:rPr lang="zh-TW" altLang="en-US" dirty="0" smtClean="0"/>
+              <a:t>可能原因：因為打到角落時的斜率差異很大，導致查表時的落點誤差很大</a:t>
+            </a:r>
+            <a:endParaRPr lang="en-US" altLang="zh-TW" dirty="0" smtClean="0"/>
+          </a:p>
+          <a:p>
+            <a:endParaRPr lang="en-US" altLang="zh-TW" dirty="0"/>
+          </a:p>
+          <a:p>
+            <a:endParaRPr lang="en-US" altLang="zh-TW" dirty="0" smtClean="0"/>
+          </a:p>
+        </p:txBody>
+      </p:sp>
+      <p:sp>
+        <p:nvSpPr>
+          <p:cNvPr id="4" name="標題 3"/>
+          <p:cNvSpPr>
+            <a:spLocks noGrp="1"/>
+          </p:cNvSpPr>
+          <p:nvPr>
+            <p:ph type="title"/>
+          </p:nvPr>
+        </p:nvSpPr>
+        <p:spPr/>
+        <p:txBody>
+          <a:bodyPr/>
+          <a:lstStyle/>
+          <a:p>
+            <a:r>
+              <a:rPr lang="zh-TW" altLang="en-US" dirty="0" smtClean="0"/>
+              <a:t>驗證</a:t>
+            </a:r>
+            <a:endParaRPr lang="zh-TW" altLang="en-US" dirty="0"/>
+          </a:p>
+        </p:txBody>
+      </p:sp>
+      <p:pic>
+        <p:nvPicPr>
+          <p:cNvPr id="7" name="圖片 6"/>
+          <p:cNvPicPr>
+            <a:picLocks noChangeAspect="1"/>
+          </p:cNvPicPr>
+          <p:nvPr/>
+        </p:nvPicPr>
+        <p:blipFill>
+          <a:blip r:embed="rId2">
+            <a:extLst>
+              <a:ext uri="{28A0092B-C50C-407E-A947-70E740481C1C}">
+                <a14:useLocalDpi xmlns:a14="http://schemas.microsoft.com/office/drawing/2010/main" val="0"/>
+              </a:ext>
+            </a:extLst>
+          </a:blip>
+          <a:stretch>
+            <a:fillRect/>
+          </a:stretch>
+        </p:blipFill>
+        <p:spPr>
+          <a:xfrm>
+            <a:off x="8381297" y="1204072"/>
+            <a:ext cx="2010462" cy="5035552"/>
+          </a:xfrm>
+          <a:prstGeom prst="rect">
+            <a:avLst/>
+          </a:prstGeom>
+        </p:spPr>
+      </p:pic>
+      <p:sp>
+        <p:nvSpPr>
+          <p:cNvPr id="3" name="向右箭號 2"/>
+          <p:cNvSpPr/>
+          <p:nvPr/>
+        </p:nvSpPr>
+        <p:spPr>
+          <a:xfrm rot="19838146">
+            <a:off x="9180720" y="2291922"/>
+            <a:ext cx="761064" cy="281123"/>
+          </a:xfrm>
+          <a:prstGeom prst="rightArrow">
+            <a:avLst/>
+          </a:prstGeom>
+          <a:solidFill>
+            <a:srgbClr val="FF0000"/>
+          </a:solidFill>
+          <a:ln>
+            <a:solidFill>
+              <a:srgbClr val="FF0000"/>
+            </a:solidFill>
+          </a:ln>
+        </p:spPr>
+        <p:style>
+          <a:lnRef idx="2">
+            <a:schemeClr val="accent1">
+              <a:shade val="50000"/>
+            </a:schemeClr>
+          </a:lnRef>
+          <a:fillRef idx="1">
+            <a:schemeClr val="accent1"/>
+          </a:fillRef>
+          <a:effectRef idx="0">
+            <a:schemeClr val="accent1"/>
+          </a:effectRef>
+          <a:fontRef idx="minor">
+            <a:schemeClr val="lt1"/>
+          </a:fontRef>
+        </p:style>
+        <p:txBody>
+          <a:bodyPr rtlCol="0" anchor="ctr"/>
+          <a:lstStyle/>
+          <a:p>
+            <a:pPr algn="ctr"/>
+            <a:endParaRPr lang="zh-TW" altLang="en-US"/>
+          </a:p>
+        </p:txBody>
+      </p:sp>
+    </p:spTree>
+    <p:extLst>
+      <p:ext uri="{BB962C8B-B14F-4D97-AF65-F5344CB8AC3E}">
+        <p14:creationId xmlns:p14="http://schemas.microsoft.com/office/powerpoint/2010/main" val="4147310958"/>
       </p:ext>
     </p:extLst>
   </p:cSld>
